--- a/03 Agile Methodoloy.pptx
+++ b/03 Agile Methodoloy.pptx
@@ -5,7 +5,7 @@
     <p:sldMasterId id="2147483648" r:id="rId1"/>
   </p:sldMasterIdLst>
   <p:notesMasterIdLst>
-    <p:notesMasterId r:id="rId30"/>
+    <p:notesMasterId r:id="rId25"/>
   </p:notesMasterIdLst>
   <p:sldIdLst>
     <p:sldId id="256" r:id="rId2"/>
@@ -31,11 +31,6 @@
     <p:sldId id="276" r:id="rId22"/>
     <p:sldId id="279" r:id="rId23"/>
     <p:sldId id="280" r:id="rId24"/>
-    <p:sldId id="281" r:id="rId25"/>
-    <p:sldId id="282" r:id="rId26"/>
-    <p:sldId id="283" r:id="rId27"/>
-    <p:sldId id="284" r:id="rId28"/>
-    <p:sldId id="285" r:id="rId29"/>
   </p:sldIdLst>
   <p:sldSz cx="24384000" cy="13716000"/>
   <p:notesSz cx="6858000" cy="9144000"/>
@@ -5678,7 +5673,6 @@
               <a:rPr lang="en-US" sz="6600" noProof="1"/>
               <a:t>METHODOLGY</a:t>
             </a:r>
-            <a:endParaRPr lang="en-US" sz="6600" noProof="1"/>
           </a:p>
         </p:txBody>
       </p:sp>
@@ -6385,25 +6379,7 @@
                 </a:solidFill>
                 <a:latin typeface="Source Sans Pro"/>
               </a:rPr>
-              <a:t>story’lerin sprinte dahil edilecegine </a:t>
-            </a:r>
-            <a:r>
-              <a:rPr lang="en-US" altLang="tr-TR" sz="4400" noProof="1" smtClean="0">
-                <a:solidFill>
-                  <a:schemeClr val="tx1"/>
-                </a:solidFill>
-                <a:latin typeface="Source Sans Pro"/>
-              </a:rPr>
-              <a:t>karar </a:t>
-            </a:r>
-            <a:r>
-              <a:rPr lang="en-US" altLang="tr-TR" sz="4400" noProof="1" smtClean="0">
-                <a:solidFill>
-                  <a:schemeClr val="tx1"/>
-                </a:solidFill>
-                <a:latin typeface="Source Sans Pro"/>
-              </a:rPr>
-              <a:t>verir</a:t>
+              <a:t>story’lerin sprinte dahil edilecegine karar verir</a:t>
             </a:r>
           </a:p>
           <a:p>
@@ -7135,6 +7111,13 @@
     <a:masterClrMapping/>
   </p:clrMapOvr>
   <p:transition spd="med"/>
+  <p:timing>
+    <p:tnLst>
+      <p:par>
+        <p:cTn id="1" dur="indefinite" restart="never" nodeType="tmRoot"/>
+      </p:par>
+    </p:tnLst>
+  </p:timing>
 </p:sld>
 </file>
 
@@ -7355,6 +7338,13 @@
     <a:masterClrMapping/>
   </p:clrMapOvr>
   <p:transition spd="med"/>
+  <p:timing>
+    <p:tnLst>
+      <p:par>
+        <p:cTn id="1" dur="indefinite" restart="never" nodeType="tmRoot"/>
+      </p:par>
+    </p:tnLst>
+  </p:timing>
 </p:sld>
 </file>
 
@@ -7638,7 +7628,6 @@
               <a:rPr lang="tr-TR" sz="4400" dirty="0"/>
               <a:t>Master takımın güvenli ve sorunsuz bir ortamda çalışabildiğinden emin olmalı, gerektiğinde takım elemanlarına bireysel koçluk da dahil olmak üzere bir çok hizmetini sunmalıdır.</a:t>
             </a:r>
-            <a:endParaRPr lang="tr-TR" sz="4400" dirty="0"/>
           </a:p>
         </p:txBody>
       </p:sp>
@@ -7653,6 +7642,13 @@
     <a:masterClrMapping/>
   </p:clrMapOvr>
   <p:transition spd="med"/>
+  <p:timing>
+    <p:tnLst>
+      <p:par>
+        <p:cTn id="1" dur="indefinite" restart="never" nodeType="tmRoot"/>
+      </p:par>
+    </p:tnLst>
+  </p:timing>
 </p:sld>
 </file>
 
@@ -7966,6 +7962,13 @@
     <a:masterClrMapping/>
   </p:clrMapOvr>
   <p:transition spd="med"/>
+  <p:timing>
+    <p:tnLst>
+      <p:par>
+        <p:cTn id="1" dur="indefinite" restart="never" nodeType="tmRoot"/>
+      </p:par>
+    </p:tnLst>
+  </p:timing>
 </p:sld>
 </file>
 
@@ -8299,7 +8302,6 @@
               <a:rPr lang="tr-TR" sz="4400" dirty="0"/>
               <a:t>tüm takım sorumludur.</a:t>
             </a:r>
-            <a:endParaRPr lang="tr-TR" sz="4400" dirty="0"/>
           </a:p>
         </p:txBody>
       </p:sp>
@@ -8314,6 +8316,13 @@
     <a:masterClrMapping/>
   </p:clrMapOvr>
   <p:transition spd="med"/>
+  <p:timing>
+    <p:tnLst>
+      <p:par>
+        <p:cTn id="1" dur="indefinite" restart="never" nodeType="tmRoot"/>
+      </p:par>
+    </p:tnLst>
+  </p:timing>
 </p:sld>
 </file>
 
@@ -8602,6 +8611,13 @@
     <a:masterClrMapping/>
   </p:clrMapOvr>
   <p:transition spd="med"/>
+  <p:timing>
+    <p:tnLst>
+      <p:par>
+        <p:cTn id="1" dur="indefinite" restart="never" nodeType="tmRoot"/>
+      </p:par>
+    </p:tnLst>
+  </p:timing>
 </p:sld>
 </file>
 
@@ -8924,6 +8940,13 @@
     <a:masterClrMapping/>
   </p:clrMapOvr>
   <p:transition spd="med"/>
+  <p:timing>
+    <p:tnLst>
+      <p:par>
+        <p:cTn id="1" dur="indefinite" restart="never" nodeType="tmRoot"/>
+      </p:par>
+    </p:tnLst>
+  </p:timing>
 </p:sld>
 </file>
 
@@ -9010,7 +9033,7 @@
         </p:blipFill>
         <p:spPr bwMode="auto">
           <a:xfrm>
-            <a:off x="1787640" y="4125951"/>
+            <a:off x="1832245" y="4059044"/>
             <a:ext cx="21187858" cy="8464047"/>
           </a:xfrm>
           <a:prstGeom prst="rect">
@@ -9181,6 +9204,13 @@
     <a:masterClrMapping/>
   </p:clrMapOvr>
   <p:transition spd="med"/>
+  <p:timing>
+    <p:tnLst>
+      <p:par>
+        <p:cTn id="1" dur="indefinite" restart="never" nodeType="tmRoot"/>
+      </p:par>
+    </p:tnLst>
+  </p:timing>
 </p:sld>
 </file>
 
@@ -9422,16 +9452,7 @@
                 </a:solidFill>
                 <a:latin typeface="-apple-system"/>
               </a:rPr>
-              <a:t>Scrum </a:t>
-            </a:r>
-            <a:r>
-              <a:rPr lang="tr-TR" sz="4000" b="1" noProof="1" smtClean="0">
-                <a:solidFill>
-                  <a:srgbClr val="FF0000"/>
-                </a:solidFill>
-                <a:latin typeface="-apple-system"/>
-              </a:rPr>
-              <a:t>Maste</a:t>
+              <a:t>Scrum Maste</a:t>
             </a:r>
             <a:r>
               <a:rPr lang="en-US" sz="4000" b="1" noProof="1" smtClean="0">
@@ -9461,6 +9482,13 @@
     <a:masterClrMapping/>
   </p:clrMapOvr>
   <p:transition spd="med"/>
+  <p:timing>
+    <p:tnLst>
+      <p:par>
+        <p:cTn id="1" dur="indefinite" restart="never" nodeType="tmRoot"/>
+      </p:par>
+    </p:tnLst>
+  </p:timing>
 </p:sld>
 </file>
 
@@ -9608,15 +9636,7 @@
                   <a:schemeClr val="tx1"/>
                 </a:solidFill>
               </a:rPr>
-              <a:t>Gelistirme </a:t>
-            </a:r>
-            <a:r>
-              <a:rPr lang="en-US" sz="4000" noProof="1">
-                <a:solidFill>
-                  <a:schemeClr val="tx1"/>
-                </a:solidFill>
-              </a:rPr>
-              <a:t>Yasam </a:t>
+              <a:t>Gelistirme Yasam </a:t>
             </a:r>
             <a:r>
               <a:rPr lang="en-US" sz="4000" noProof="1" smtClean="0">
@@ -10562,6 +10582,13 @@
     <a:masterClrMapping/>
   </p:clrMapOvr>
   <p:transition spd="med"/>
+  <p:timing>
+    <p:tnLst>
+      <p:par>
+        <p:cTn id="1" dur="indefinite" restart="never" nodeType="tmRoot"/>
+      </p:par>
+    </p:tnLst>
+  </p:timing>
 </p:sld>
 </file>
 
@@ -10994,6 +11021,13 @@
     <a:masterClrMapping/>
   </p:clrMapOvr>
   <p:transition spd="med"/>
+  <p:timing>
+    <p:tnLst>
+      <p:par>
+        <p:cTn id="1" dur="indefinite" restart="never" nodeType="tmRoot"/>
+      </p:par>
+    </p:tnLst>
+  </p:timing>
 </p:sld>
 </file>
 
@@ -11272,6 +11306,13 @@
     <a:masterClrMapping/>
   </p:clrMapOvr>
   <p:transition spd="med"/>
+  <p:timing>
+    <p:tnLst>
+      <p:par>
+        <p:cTn id="1" dur="indefinite" restart="never" nodeType="tmRoot"/>
+      </p:par>
+    </p:tnLst>
+  </p:timing>
 </p:sld>
 </file>
 
@@ -11419,15 +11460,7 @@
             </a:r>
             <a:r>
               <a:rPr lang="tr-TR" sz="4400" noProof="1" smtClean="0"/>
-              <a:t>adımlandırılmış, detaylandırılmış, saatlendirilmiş içeriğini </a:t>
-            </a:r>
-            <a:r>
-              <a:rPr lang="tr-TR" sz="4400" noProof="1" smtClean="0"/>
-              <a:t>teşkil </a:t>
-            </a:r>
-            <a:r>
-              <a:rPr lang="tr-TR" sz="4400" noProof="1" smtClean="0"/>
-              <a:t>etmektedir</a:t>
+              <a:t>adımlandırılmış, detaylandırılmış, saatlendirilmiş içeriğini teşkil etmektedir</a:t>
             </a:r>
             <a:endParaRPr lang="en-US" sz="4400" noProof="1" smtClean="0"/>
           </a:p>
@@ -11536,11 +11569,7 @@
             </a:r>
             <a:r>
               <a:rPr lang="tr-TR" sz="4400" noProof="1" smtClean="0"/>
-              <a:t>product </a:t>
-            </a:r>
-            <a:r>
-              <a:rPr lang="tr-TR" sz="4400" noProof="1" smtClean="0"/>
-              <a:t>backlog</a:t>
+              <a:t>product backlog</a:t>
             </a:r>
             <a:r>
               <a:rPr lang="en-US" sz="4400" noProof="1" smtClean="0"/>
@@ -11672,1533 +11701,13 @@
     <a:masterClrMapping/>
   </p:clrMapOvr>
   <p:transition spd="med"/>
-</p:sld>
-</file>
-
-<file path=ppt/slides/slide24.xml><?xml version="1.0" encoding="utf-8"?>
-<p:sld xmlns:a="http://schemas.openxmlformats.org/drawingml/2006/main" xmlns:r="http://schemas.openxmlformats.org/officeDocument/2006/relationships" xmlns:p="http://schemas.openxmlformats.org/presentationml/2006/main">
-  <p:cSld>
-    <p:spTree>
-      <p:nvGrpSpPr>
-        <p:cNvPr id="1" name=""/>
-        <p:cNvGrpSpPr/>
-        <p:nvPr/>
-      </p:nvGrpSpPr>
-      <p:grpSpPr>
-        <a:xfrm>
-          <a:off x="0" y="0"/>
-          <a:ext cx="0" cy="0"/>
-          <a:chOff x="0" y="0"/>
-          <a:chExt cx="0" cy="0"/>
-        </a:xfrm>
-      </p:grpSpPr>
-      <p:pic>
-        <p:nvPicPr>
-          <p:cNvPr id="5" name="Resim 4"/>
-          <p:cNvPicPr>
-            <a:picLocks noChangeAspect="1"/>
-          </p:cNvPicPr>
-          <p:nvPr/>
-        </p:nvPicPr>
-        <p:blipFill>
-          <a:blip r:embed="rId2"/>
-          <a:stretch>
-            <a:fillRect/>
-          </a:stretch>
-        </p:blipFill>
-        <p:spPr>
-          <a:xfrm>
-            <a:off x="1082946" y="3485001"/>
-            <a:ext cx="6380205" cy="8123745"/>
-          </a:xfrm>
-          <a:prstGeom prst="rect">
-            <a:avLst/>
-          </a:prstGeom>
-        </p:spPr>
-      </p:pic>
-      <p:sp>
-        <p:nvSpPr>
-          <p:cNvPr id="3" name="Dikdörtgen 2"/>
-          <p:cNvSpPr/>
-          <p:nvPr/>
-        </p:nvSpPr>
-        <p:spPr>
-          <a:xfrm>
-            <a:off x="602165" y="1115122"/>
-            <a:ext cx="22726185" cy="2369880"/>
-          </a:xfrm>
-          <a:prstGeom prst="rect">
-            <a:avLst/>
-          </a:prstGeom>
-        </p:spPr>
-        <p:txBody>
-          <a:bodyPr wrap="square">
-            <a:spAutoFit/>
-          </a:bodyPr>
-          <a:lstStyle/>
-          <a:p>
-            <a:r>
-              <a:rPr lang="en-US" sz="6000" dirty="0" smtClean="0"/>
-              <a:t>BUTUNU OLUSTURAN PARCALAR</a:t>
-            </a:r>
-          </a:p>
-          <a:p>
-            <a:pPr algn="l" hangingPunct="1"/>
-            <a:endParaRPr lang="tr-TR" sz="4400" dirty="0">
-              <a:solidFill>
-                <a:schemeClr val="tx1"/>
-              </a:solidFill>
-            </a:endParaRPr>
-          </a:p>
-          <a:p>
-            <a:pPr marL="571500" indent="-571500" algn="l">
-              <a:buFont typeface="Wingdings" panose="05000000000000000000" pitchFamily="2" charset="2"/>
-              <a:buChar char="Ø"/>
-            </a:pPr>
-            <a:endParaRPr lang="en-US" sz="4400" noProof="1"/>
-          </a:p>
-        </p:txBody>
-      </p:sp>
-      <p:sp>
-        <p:nvSpPr>
-          <p:cNvPr id="2" name="Dikdörtgen 1"/>
-          <p:cNvSpPr/>
-          <p:nvPr/>
-        </p:nvSpPr>
-        <p:spPr>
-          <a:xfrm>
-            <a:off x="7898780" y="2273544"/>
-            <a:ext cx="14269845" cy="1107996"/>
-          </a:xfrm>
-          <a:prstGeom prst="rect">
-            <a:avLst/>
-          </a:prstGeom>
-        </p:spPr>
-        <p:txBody>
-          <a:bodyPr wrap="square">
-            <a:spAutoFit/>
-          </a:bodyPr>
-          <a:lstStyle/>
-          <a:p>
-            <a:r>
-              <a:rPr lang="en-US" sz="6600" b="1" dirty="0" smtClean="0">
-                <a:solidFill>
-                  <a:schemeClr val="tx1"/>
-                </a:solidFill>
-                <a:latin typeface="-apple-system"/>
-              </a:rPr>
-              <a:t>FEATURE – EPIC – USER STORY</a:t>
-            </a:r>
-          </a:p>
-        </p:txBody>
-      </p:sp>
-      <p:sp>
-        <p:nvSpPr>
-          <p:cNvPr id="9" name="Dikdörtgen 8"/>
-          <p:cNvSpPr/>
-          <p:nvPr/>
-        </p:nvSpPr>
-        <p:spPr>
-          <a:xfrm>
-            <a:off x="7929796" y="3963661"/>
-            <a:ext cx="14269845" cy="2123658"/>
-          </a:xfrm>
-          <a:prstGeom prst="rect">
-            <a:avLst/>
-          </a:prstGeom>
-        </p:spPr>
-        <p:txBody>
-          <a:bodyPr wrap="square">
-            <a:spAutoFit/>
-          </a:bodyPr>
-          <a:lstStyle/>
-          <a:p>
-            <a:pPr algn="l"/>
-            <a:r>
-              <a:rPr lang="en-US" sz="4400" b="1" dirty="0" smtClean="0">
-                <a:solidFill>
-                  <a:schemeClr val="tx1"/>
-                </a:solidFill>
-                <a:latin typeface="-apple-system"/>
-              </a:rPr>
-              <a:t>User Story </a:t>
-            </a:r>
-            <a:r>
-              <a:rPr lang="tr-TR" sz="4400" dirty="0"/>
-              <a:t>son kullanıcı tarafından kullanılacak bir </a:t>
-            </a:r>
-            <a:r>
-              <a:rPr lang="tr-TR" sz="4400" dirty="0" smtClean="0"/>
-              <a:t>özelliğin, </a:t>
-            </a:r>
-            <a:r>
-              <a:rPr lang="tr-TR" sz="4400" dirty="0"/>
-              <a:t>yine bu kullanıcı tarafından en basit ve anlaşılır şekilde açıklanmasıdır. </a:t>
-            </a:r>
-            <a:endParaRPr lang="en-US" sz="4400" b="1" dirty="0" smtClean="0">
-              <a:solidFill>
-                <a:schemeClr val="tx1"/>
-              </a:solidFill>
-              <a:latin typeface="-apple-system"/>
-            </a:endParaRPr>
-          </a:p>
-        </p:txBody>
-      </p:sp>
-      <p:sp>
-        <p:nvSpPr>
-          <p:cNvPr id="6" name="Dikdörtgen 5"/>
-          <p:cNvSpPr/>
-          <p:nvPr/>
-        </p:nvSpPr>
-        <p:spPr>
-          <a:xfrm>
-            <a:off x="7898780" y="6530434"/>
-            <a:ext cx="15429570" cy="5016758"/>
-          </a:xfrm>
-          <a:prstGeom prst="rect">
-            <a:avLst/>
-          </a:prstGeom>
-        </p:spPr>
-        <p:txBody>
-          <a:bodyPr wrap="square">
-            <a:spAutoFit/>
-          </a:bodyPr>
-          <a:lstStyle/>
-          <a:p>
-            <a:pPr marL="571500" indent="-571500" algn="l">
-              <a:buFont typeface="Arial" panose="020B0604020202020204" pitchFamily="34" charset="0"/>
-              <a:buChar char="•"/>
-            </a:pPr>
-            <a:r>
-              <a:rPr lang="en-US" sz="4000" noProof="1" smtClean="0">
-                <a:solidFill>
-                  <a:srgbClr val="292929"/>
-                </a:solidFill>
-                <a:latin typeface="medium-content-serif-font"/>
-              </a:rPr>
-              <a:t>Susuz bir kisi olarak susuzlugumu gidermek icin su istiyorum</a:t>
-            </a:r>
-          </a:p>
-          <a:p>
-            <a:pPr marL="571500" indent="-571500" algn="l">
-              <a:buFont typeface="Arial" panose="020B0604020202020204" pitchFamily="34" charset="0"/>
-              <a:buChar char="•"/>
-            </a:pPr>
-            <a:r>
-              <a:rPr lang="en-US" sz="4000" noProof="1" smtClean="0">
-                <a:solidFill>
-                  <a:srgbClr val="292929"/>
-                </a:solidFill>
-                <a:latin typeface="medium-content-serif-font"/>
-              </a:rPr>
-              <a:t>Modaya ilgi duyan bir insan olarak icecegimin guzel gorunmesi icin semsiye konulmasini istiyorum</a:t>
-            </a:r>
-          </a:p>
-          <a:p>
-            <a:pPr marL="571500" indent="-571500" algn="l">
-              <a:buFont typeface="Arial" panose="020B0604020202020204" pitchFamily="34" charset="0"/>
-              <a:buChar char="•"/>
-            </a:pPr>
-            <a:r>
-              <a:rPr lang="en-US" sz="4000" noProof="1" smtClean="0">
-                <a:solidFill>
-                  <a:srgbClr val="292929"/>
-                </a:solidFill>
-                <a:latin typeface="medium-content-serif-font"/>
-              </a:rPr>
-              <a:t>Sicaktan bunaldigim icin suyumla birlikte beni ferahlatacak 1 dilim limon istiyorum</a:t>
-            </a:r>
-          </a:p>
-          <a:p>
-            <a:pPr marL="571500" indent="-571500" algn="l">
-              <a:buFont typeface="Arial" panose="020B0604020202020204" pitchFamily="34" charset="0"/>
-              <a:buChar char="•"/>
-            </a:pPr>
-            <a:r>
-              <a:rPr lang="en-US" sz="4000" noProof="1" smtClean="0">
-                <a:solidFill>
-                  <a:srgbClr val="292929"/>
-                </a:solidFill>
-                <a:latin typeface="medium-content-serif-font"/>
-              </a:rPr>
-              <a:t>Cok susadigim icin buyuk bir bardak su istiyorum</a:t>
-            </a:r>
-          </a:p>
-          <a:p>
-            <a:pPr marL="571500" indent="-571500" algn="l">
-              <a:buFont typeface="Arial" panose="020B0604020202020204" pitchFamily="34" charset="0"/>
-              <a:buChar char="•"/>
-            </a:pPr>
-            <a:r>
-              <a:rPr lang="en-US" sz="4000" noProof="1" smtClean="0">
-                <a:solidFill>
-                  <a:srgbClr val="292929"/>
-                </a:solidFill>
-                <a:latin typeface="medium-content-serif-font"/>
-              </a:rPr>
-              <a:t>Hava sicak oldugu icin suyumun soguk olmasini istiyorum</a:t>
-            </a:r>
-          </a:p>
-          <a:p>
-            <a:pPr marL="571500" indent="-571500" algn="l">
-              <a:buFont typeface="Arial" panose="020B0604020202020204" pitchFamily="34" charset="0"/>
-              <a:buChar char="•"/>
-            </a:pPr>
-            <a:r>
-              <a:rPr lang="en-US" sz="4000" noProof="1" smtClean="0">
-                <a:solidFill>
-                  <a:srgbClr val="292929"/>
-                </a:solidFill>
-                <a:latin typeface="medium-content-serif-font"/>
-              </a:rPr>
-              <a:t>Cool gorunmek icin suyu icecegim bir pipet istiyorum</a:t>
-            </a:r>
-            <a:endParaRPr lang="en-US" sz="4000" noProof="1"/>
-          </a:p>
-        </p:txBody>
-      </p:sp>
-    </p:spTree>
-    <p:extLst>
-      <p:ext uri="{BB962C8B-B14F-4D97-AF65-F5344CB8AC3E}">
-        <p14:creationId xmlns:p14="http://schemas.microsoft.com/office/powerpoint/2010/main" val="148315860"/>
-      </p:ext>
-    </p:extLst>
-  </p:cSld>
-  <p:clrMapOvr>
-    <a:masterClrMapping/>
-  </p:clrMapOvr>
-  <p:transition spd="med"/>
-</p:sld>
-</file>
-
-<file path=ppt/slides/slide25.xml><?xml version="1.0" encoding="utf-8"?>
-<p:sld xmlns:a="http://schemas.openxmlformats.org/drawingml/2006/main" xmlns:r="http://schemas.openxmlformats.org/officeDocument/2006/relationships" xmlns:p="http://schemas.openxmlformats.org/presentationml/2006/main">
-  <p:cSld>
-    <p:spTree>
-      <p:nvGrpSpPr>
-        <p:cNvPr id="1" name=""/>
-        <p:cNvGrpSpPr/>
-        <p:nvPr/>
-      </p:nvGrpSpPr>
-      <p:grpSpPr>
-        <a:xfrm>
-          <a:off x="0" y="0"/>
-          <a:ext cx="0" cy="0"/>
-          <a:chOff x="0" y="0"/>
-          <a:chExt cx="0" cy="0"/>
-        </a:xfrm>
-      </p:grpSpPr>
-      <p:sp>
-        <p:nvSpPr>
-          <p:cNvPr id="3" name="Dikdörtgen 2"/>
-          <p:cNvSpPr/>
-          <p:nvPr/>
-        </p:nvSpPr>
-        <p:spPr>
-          <a:xfrm>
-            <a:off x="602165" y="1115122"/>
-            <a:ext cx="22726185" cy="2369880"/>
-          </a:xfrm>
-          <a:prstGeom prst="rect">
-            <a:avLst/>
-          </a:prstGeom>
-        </p:spPr>
-        <p:txBody>
-          <a:bodyPr wrap="square">
-            <a:spAutoFit/>
-          </a:bodyPr>
-          <a:lstStyle/>
-          <a:p>
-            <a:r>
-              <a:rPr lang="en-US" sz="6000" dirty="0" smtClean="0"/>
-              <a:t>BUTUNU OLUSTURAN PARCALAR</a:t>
-            </a:r>
-          </a:p>
-          <a:p>
-            <a:pPr algn="l" hangingPunct="1"/>
-            <a:endParaRPr lang="tr-TR" sz="4400" dirty="0">
-              <a:solidFill>
-                <a:schemeClr val="tx1"/>
-              </a:solidFill>
-            </a:endParaRPr>
-          </a:p>
-          <a:p>
-            <a:pPr marL="571500" indent="-571500" algn="l">
-              <a:buFont typeface="Wingdings" panose="05000000000000000000" pitchFamily="2" charset="2"/>
-              <a:buChar char="Ø"/>
-            </a:pPr>
-            <a:endParaRPr lang="en-US" sz="4400" noProof="1"/>
-          </a:p>
-        </p:txBody>
-      </p:sp>
-      <p:sp>
-        <p:nvSpPr>
-          <p:cNvPr id="2" name="Dikdörtgen 1"/>
-          <p:cNvSpPr/>
-          <p:nvPr/>
-        </p:nvSpPr>
-        <p:spPr>
-          <a:xfrm>
-            <a:off x="2412380" y="2034640"/>
-            <a:ext cx="21696557" cy="1107996"/>
-          </a:xfrm>
-          <a:prstGeom prst="rect">
-            <a:avLst/>
-          </a:prstGeom>
-        </p:spPr>
-        <p:txBody>
-          <a:bodyPr wrap="square">
-            <a:spAutoFit/>
-          </a:bodyPr>
-          <a:lstStyle/>
-          <a:p>
-            <a:pPr algn="l"/>
-            <a:r>
-              <a:rPr lang="en-US" sz="6600" b="1" dirty="0" smtClean="0">
-                <a:solidFill>
-                  <a:schemeClr val="tx1"/>
-                </a:solidFill>
-                <a:latin typeface="-apple-system"/>
-              </a:rPr>
-              <a:t>FEATURE   –    EPIC         –        USER STORY</a:t>
-            </a:r>
-          </a:p>
-        </p:txBody>
-      </p:sp>
-      <p:pic>
-        <p:nvPicPr>
-          <p:cNvPr id="7" name="Resim 6"/>
-          <p:cNvPicPr>
-            <a:picLocks noChangeAspect="1"/>
-          </p:cNvPicPr>
-          <p:nvPr/>
-        </p:nvPicPr>
-        <p:blipFill>
-          <a:blip r:embed="rId2"/>
-          <a:stretch>
-            <a:fillRect/>
-          </a:stretch>
-        </p:blipFill>
-        <p:spPr>
-          <a:xfrm>
-            <a:off x="1002446" y="3381540"/>
-            <a:ext cx="6089729" cy="8000582"/>
-          </a:xfrm>
-          <a:prstGeom prst="rect">
-            <a:avLst/>
-          </a:prstGeom>
-        </p:spPr>
-      </p:pic>
-      <p:pic>
-        <p:nvPicPr>
-          <p:cNvPr id="8" name="Resim 7"/>
-          <p:cNvPicPr>
-            <a:picLocks noChangeAspect="1"/>
-          </p:cNvPicPr>
-          <p:nvPr/>
-        </p:nvPicPr>
-        <p:blipFill>
-          <a:blip r:embed="rId3"/>
-          <a:stretch>
-            <a:fillRect/>
-          </a:stretch>
-        </p:blipFill>
-        <p:spPr>
-          <a:xfrm>
-            <a:off x="7318336" y="4381244"/>
-            <a:ext cx="5817801" cy="7818191"/>
-          </a:xfrm>
-          <a:prstGeom prst="rect">
-            <a:avLst/>
-          </a:prstGeom>
-        </p:spPr>
-      </p:pic>
-      <p:pic>
-        <p:nvPicPr>
-          <p:cNvPr id="10" name="Resim 9"/>
-          <p:cNvPicPr>
-            <a:picLocks noChangeAspect="1"/>
-          </p:cNvPicPr>
-          <p:nvPr/>
-        </p:nvPicPr>
-        <p:blipFill>
-          <a:blip r:embed="rId4"/>
-          <a:stretch>
-            <a:fillRect/>
-          </a:stretch>
-        </p:blipFill>
-        <p:spPr>
-          <a:xfrm>
-            <a:off x="13362298" y="5962218"/>
-            <a:ext cx="10590522" cy="6417473"/>
-          </a:xfrm>
-          <a:prstGeom prst="rect">
-            <a:avLst/>
-          </a:prstGeom>
-        </p:spPr>
-      </p:pic>
-    </p:spTree>
-    <p:extLst>
-      <p:ext uri="{BB962C8B-B14F-4D97-AF65-F5344CB8AC3E}">
-        <p14:creationId xmlns:p14="http://schemas.microsoft.com/office/powerpoint/2010/main" val="3205680304"/>
-      </p:ext>
-    </p:extLst>
-  </p:cSld>
-  <p:clrMapOvr>
-    <a:masterClrMapping/>
-  </p:clrMapOvr>
-  <p:transition spd="med"/>
-</p:sld>
-</file>
-
-<file path=ppt/slides/slide26.xml><?xml version="1.0" encoding="utf-8"?>
-<p:sld xmlns:a="http://schemas.openxmlformats.org/drawingml/2006/main" xmlns:r="http://schemas.openxmlformats.org/officeDocument/2006/relationships" xmlns:p="http://schemas.openxmlformats.org/presentationml/2006/main">
-  <p:cSld>
-    <p:spTree>
-      <p:nvGrpSpPr>
-        <p:cNvPr id="1" name=""/>
-        <p:cNvGrpSpPr/>
-        <p:nvPr/>
-      </p:nvGrpSpPr>
-      <p:grpSpPr>
-        <a:xfrm>
-          <a:off x="0" y="0"/>
-          <a:ext cx="0" cy="0"/>
-          <a:chOff x="0" y="0"/>
-          <a:chExt cx="0" cy="0"/>
-        </a:xfrm>
-      </p:grpSpPr>
-      <p:sp>
-        <p:nvSpPr>
-          <p:cNvPr id="3" name="Dikdörtgen 2"/>
-          <p:cNvSpPr/>
-          <p:nvPr/>
-        </p:nvSpPr>
-        <p:spPr>
-          <a:xfrm>
-            <a:off x="602165" y="1115122"/>
-            <a:ext cx="22726185" cy="2369880"/>
-          </a:xfrm>
-          <a:prstGeom prst="rect">
-            <a:avLst/>
-          </a:prstGeom>
-        </p:spPr>
-        <p:txBody>
-          <a:bodyPr wrap="square">
-            <a:spAutoFit/>
-          </a:bodyPr>
-          <a:lstStyle/>
-          <a:p>
-            <a:r>
-              <a:rPr lang="en-US" sz="6000" dirty="0" smtClean="0"/>
-              <a:t>BUTUNU OLUSTURAN PARCALAR</a:t>
-            </a:r>
-          </a:p>
-          <a:p>
-            <a:pPr algn="l" hangingPunct="1"/>
-            <a:endParaRPr lang="tr-TR" sz="4400" dirty="0">
-              <a:solidFill>
-                <a:schemeClr val="tx1"/>
-              </a:solidFill>
-            </a:endParaRPr>
-          </a:p>
-          <a:p>
-            <a:pPr marL="571500" indent="-571500" algn="l">
-              <a:buFont typeface="Wingdings" panose="05000000000000000000" pitchFamily="2" charset="2"/>
-              <a:buChar char="Ø"/>
-            </a:pPr>
-            <a:endParaRPr lang="en-US" sz="4400" noProof="1"/>
-          </a:p>
-        </p:txBody>
-      </p:sp>
-      <p:sp>
-        <p:nvSpPr>
-          <p:cNvPr id="2" name="Dikdörtgen 1"/>
-          <p:cNvSpPr/>
-          <p:nvPr/>
-        </p:nvSpPr>
-        <p:spPr>
-          <a:xfrm>
-            <a:off x="2412381" y="2034640"/>
-            <a:ext cx="19421708" cy="1107996"/>
-          </a:xfrm>
-          <a:prstGeom prst="rect">
-            <a:avLst/>
-          </a:prstGeom>
-        </p:spPr>
-        <p:txBody>
-          <a:bodyPr wrap="square">
-            <a:spAutoFit/>
-          </a:bodyPr>
-          <a:lstStyle/>
-          <a:p>
-            <a:r>
-              <a:rPr lang="en-US" sz="6600" b="1" dirty="0" smtClean="0">
-                <a:solidFill>
-                  <a:schemeClr val="tx1"/>
-                </a:solidFill>
-                <a:latin typeface="-apple-system"/>
-              </a:rPr>
-              <a:t>USER STORY</a:t>
-            </a:r>
-          </a:p>
-        </p:txBody>
-      </p:sp>
-      <p:pic>
-        <p:nvPicPr>
-          <p:cNvPr id="4" name="Resim 3"/>
-          <p:cNvPicPr>
-            <a:picLocks noChangeAspect="1"/>
-          </p:cNvPicPr>
-          <p:nvPr/>
-        </p:nvPicPr>
-        <p:blipFill>
-          <a:blip r:embed="rId2"/>
-          <a:stretch>
-            <a:fillRect/>
-          </a:stretch>
-        </p:blipFill>
-        <p:spPr>
-          <a:xfrm>
-            <a:off x="11273797" y="3074835"/>
-            <a:ext cx="12370508" cy="5743984"/>
-          </a:xfrm>
-          <a:prstGeom prst="rect">
-            <a:avLst/>
-          </a:prstGeom>
-        </p:spPr>
-      </p:pic>
-      <p:pic>
-        <p:nvPicPr>
-          <p:cNvPr id="5" name="Resim 4"/>
-          <p:cNvPicPr>
-            <a:picLocks noChangeAspect="1"/>
-          </p:cNvPicPr>
-          <p:nvPr/>
-        </p:nvPicPr>
-        <p:blipFill>
-          <a:blip r:embed="rId3"/>
-          <a:stretch>
-            <a:fillRect/>
-          </a:stretch>
-        </p:blipFill>
-        <p:spPr>
-          <a:xfrm>
-            <a:off x="16146974" y="1966696"/>
-            <a:ext cx="7339354" cy="1176083"/>
-          </a:xfrm>
-          <a:prstGeom prst="rect">
-            <a:avLst/>
-          </a:prstGeom>
-        </p:spPr>
-      </p:pic>
-      <p:sp>
-        <p:nvSpPr>
-          <p:cNvPr id="6" name="Dikdörtgen 5"/>
-          <p:cNvSpPr/>
-          <p:nvPr/>
-        </p:nvSpPr>
-        <p:spPr>
-          <a:xfrm>
-            <a:off x="1144858" y="3399906"/>
-            <a:ext cx="10128939" cy="4832092"/>
-          </a:xfrm>
-          <a:prstGeom prst="rect">
-            <a:avLst/>
-          </a:prstGeom>
-        </p:spPr>
-        <p:txBody>
-          <a:bodyPr wrap="square">
-            <a:spAutoFit/>
-          </a:bodyPr>
-          <a:lstStyle/>
-          <a:p>
-            <a:pPr algn="l"/>
-            <a:r>
-              <a:rPr lang="tr-TR" sz="4400" noProof="1" smtClean="0">
-                <a:solidFill>
-                  <a:srgbClr val="292929"/>
-                </a:solidFill>
-                <a:latin typeface="medium-content-serif-font"/>
-              </a:rPr>
-              <a:t>User storyler 3 bölümden oluşur. </a:t>
-            </a:r>
-            <a:r>
-              <a:rPr lang="tr-TR" sz="4400" noProof="1" smtClean="0">
-                <a:solidFill>
-                  <a:srgbClr val="292929"/>
-                </a:solidFill>
-                <a:latin typeface="medium-content-serif-font"/>
-              </a:rPr>
-              <a:t>Bunlar</a:t>
-            </a:r>
-            <a:r>
-              <a:rPr lang="tr-TR" sz="4400" noProof="1" smtClean="0">
-                <a:solidFill>
-                  <a:srgbClr val="292929"/>
-                </a:solidFill>
-                <a:latin typeface="medium-content-serif-font"/>
-              </a:rPr>
-              <a:t>;</a:t>
-            </a:r>
-            <a:endParaRPr lang="en-US" sz="4400" noProof="1" smtClean="0">
-              <a:solidFill>
-                <a:srgbClr val="292929"/>
-              </a:solidFill>
-              <a:latin typeface="medium-content-serif-font"/>
-            </a:endParaRPr>
-          </a:p>
-          <a:p>
-            <a:pPr algn="l"/>
-            <a:endParaRPr lang="tr-TR" sz="4400" noProof="1" smtClean="0">
-              <a:solidFill>
-                <a:srgbClr val="292929"/>
-              </a:solidFill>
-              <a:latin typeface="medium-content-serif-font"/>
-            </a:endParaRPr>
-          </a:p>
-          <a:p>
-            <a:pPr algn="l">
-              <a:buFont typeface="Arial" panose="020B0604020202020204" pitchFamily="34" charset="0"/>
-              <a:buChar char="•"/>
-            </a:pPr>
-            <a:r>
-              <a:rPr lang="tr-TR" sz="4400" noProof="1" smtClean="0">
-                <a:solidFill>
-                  <a:srgbClr val="292929"/>
-                </a:solidFill>
-                <a:latin typeface="medium-content-serif-font"/>
-              </a:rPr>
-              <a:t>Kullanıcının hikaye tanımı (Value statement)</a:t>
-            </a:r>
-          </a:p>
-          <a:p>
-            <a:pPr algn="l">
-              <a:buFont typeface="Arial" panose="020B0604020202020204" pitchFamily="34" charset="0"/>
-              <a:buChar char="•"/>
-            </a:pPr>
-            <a:r>
-              <a:rPr lang="tr-TR" sz="4400" noProof="1" smtClean="0">
-                <a:solidFill>
-                  <a:srgbClr val="292929"/>
-                </a:solidFill>
-                <a:latin typeface="medium-content-serif-font"/>
-              </a:rPr>
-              <a:t>Kabul kriterleri (Acceptance criterias)</a:t>
-            </a:r>
-          </a:p>
-          <a:p>
-            <a:pPr algn="l">
-              <a:buFont typeface="Arial" panose="020B0604020202020204" pitchFamily="34" charset="0"/>
-              <a:buChar char="•"/>
-            </a:pPr>
-            <a:r>
-              <a:rPr lang="tr-TR" sz="4400" noProof="1" smtClean="0">
-                <a:solidFill>
-                  <a:srgbClr val="292929"/>
-                </a:solidFill>
-                <a:latin typeface="medium-content-serif-font"/>
-              </a:rPr>
-              <a:t>Bitti tanımı (Definition of done)</a:t>
-            </a:r>
-            <a:endParaRPr lang="tr-TR" sz="4400" noProof="1">
-              <a:solidFill>
-                <a:srgbClr val="292929"/>
-              </a:solidFill>
-              <a:latin typeface="medium-content-serif-font"/>
-            </a:endParaRPr>
-          </a:p>
-        </p:txBody>
-      </p:sp>
-      <p:sp>
-        <p:nvSpPr>
-          <p:cNvPr id="11" name="Dikdörtgen 10"/>
-          <p:cNvSpPr/>
-          <p:nvPr/>
-        </p:nvSpPr>
-        <p:spPr>
-          <a:xfrm>
-            <a:off x="784300" y="9076089"/>
-            <a:ext cx="22361913" cy="3477875"/>
-          </a:xfrm>
-          <a:prstGeom prst="rect">
-            <a:avLst/>
-          </a:prstGeom>
-        </p:spPr>
-        <p:txBody>
-          <a:bodyPr wrap="square">
-            <a:spAutoFit/>
-          </a:bodyPr>
-          <a:lstStyle/>
-          <a:p>
-            <a:pPr algn="l"/>
-            <a:r>
-              <a:rPr lang="tr-TR" sz="4400" noProof="1" smtClean="0">
-                <a:solidFill>
-                  <a:schemeClr val="tx1"/>
-                </a:solidFill>
-              </a:rPr>
-              <a:t>Agile dönüşümünü hedefleyen bir şirket içerisine küçük değişimler </a:t>
-            </a:r>
-            <a:r>
-              <a:rPr lang="tr-TR" sz="4400" noProof="1" smtClean="0">
-                <a:solidFill>
-                  <a:schemeClr val="tx1"/>
-                </a:solidFill>
-              </a:rPr>
-              <a:t>eklemek </a:t>
-            </a:r>
-            <a:r>
-              <a:rPr lang="tr-TR" sz="4400" noProof="1" smtClean="0">
-                <a:solidFill>
-                  <a:schemeClr val="tx1"/>
-                </a:solidFill>
-              </a:rPr>
-              <a:t>daha </a:t>
-            </a:r>
-            <a:r>
-              <a:rPr lang="tr-TR" sz="4400" noProof="1" smtClean="0">
-                <a:solidFill>
-                  <a:schemeClr val="tx1"/>
-                </a:solidFill>
-              </a:rPr>
-              <a:t>kolay </a:t>
-            </a:r>
-            <a:r>
-              <a:rPr lang="tr-TR" sz="4400" noProof="1" smtClean="0">
-                <a:solidFill>
-                  <a:schemeClr val="tx1"/>
-                </a:solidFill>
-              </a:rPr>
-              <a:t>olur</a:t>
-            </a:r>
-            <a:r>
-              <a:rPr lang="tr-TR" sz="4400" noProof="1" smtClean="0">
-                <a:solidFill>
-                  <a:schemeClr val="tx1"/>
-                </a:solidFill>
-              </a:rPr>
-              <a:t>. </a:t>
-            </a:r>
-            <a:endParaRPr lang="en-US" sz="4400" noProof="1" smtClean="0">
-              <a:solidFill>
-                <a:schemeClr val="tx1"/>
-              </a:solidFill>
-            </a:endParaRPr>
-          </a:p>
-          <a:p>
-            <a:pPr algn="l"/>
-            <a:r>
-              <a:rPr lang="tr-TR" sz="4400" noProof="1" smtClean="0">
-                <a:solidFill>
-                  <a:schemeClr val="tx1"/>
-                </a:solidFill>
-              </a:rPr>
-              <a:t>Gelen </a:t>
-            </a:r>
-            <a:r>
-              <a:rPr lang="tr-TR" sz="4400" noProof="1" smtClean="0">
-                <a:solidFill>
-                  <a:schemeClr val="tx1"/>
-                </a:solidFill>
-              </a:rPr>
-              <a:t>taleplerin fazlalığı, net olmayan storyler, gerçek talep sahibinin belli olmadığı karmaşık bir süreç ve en önemlisi </a:t>
-            </a:r>
-            <a:r>
-              <a:rPr lang="tr-TR" sz="4400" noProof="1" smtClean="0">
-                <a:solidFill>
-                  <a:schemeClr val="tx1"/>
-                </a:solidFill>
-              </a:rPr>
-              <a:t>know/how </a:t>
-            </a:r>
-            <a:r>
-              <a:rPr lang="tr-TR" sz="4400" noProof="1" smtClean="0">
-                <a:solidFill>
-                  <a:schemeClr val="tx1"/>
-                </a:solidFill>
-              </a:rPr>
-              <a:t>eksikliği</a:t>
-            </a:r>
-            <a:r>
-              <a:rPr lang="en-US" sz="4400" noProof="1" smtClean="0">
-                <a:solidFill>
-                  <a:schemeClr val="tx1"/>
-                </a:solidFill>
-              </a:rPr>
-              <a:t> olmamasi icin user story’ler duzgun olusturulmalidir</a:t>
-            </a:r>
-            <a:r>
-              <a:rPr lang="tr-TR" sz="4400" noProof="1" smtClean="0">
-                <a:solidFill>
-                  <a:schemeClr val="tx1"/>
-                </a:solidFill>
-              </a:rPr>
-              <a:t>.</a:t>
-            </a:r>
-            <a:endParaRPr lang="tr-TR" sz="4400" noProof="1">
-              <a:solidFill>
-                <a:schemeClr val="tx1"/>
-              </a:solidFill>
-              <a:latin typeface="medium-content-serif-font"/>
-            </a:endParaRPr>
-          </a:p>
-        </p:txBody>
-      </p:sp>
-    </p:spTree>
-    <p:extLst>
-      <p:ext uri="{BB962C8B-B14F-4D97-AF65-F5344CB8AC3E}">
-        <p14:creationId xmlns:p14="http://schemas.microsoft.com/office/powerpoint/2010/main" val="3656330899"/>
-      </p:ext>
-    </p:extLst>
-  </p:cSld>
-  <p:clrMapOvr>
-    <a:masterClrMapping/>
-  </p:clrMapOvr>
-  <p:transition spd="med"/>
-</p:sld>
-</file>
-
-<file path=ppt/slides/slide27.xml><?xml version="1.0" encoding="utf-8"?>
-<p:sld xmlns:a="http://schemas.openxmlformats.org/drawingml/2006/main" xmlns:r="http://schemas.openxmlformats.org/officeDocument/2006/relationships" xmlns:p="http://schemas.openxmlformats.org/presentationml/2006/main">
-  <p:cSld>
-    <p:spTree>
-      <p:nvGrpSpPr>
-        <p:cNvPr id="1" name=""/>
-        <p:cNvGrpSpPr/>
-        <p:nvPr/>
-      </p:nvGrpSpPr>
-      <p:grpSpPr>
-        <a:xfrm>
-          <a:off x="0" y="0"/>
-          <a:ext cx="0" cy="0"/>
-          <a:chOff x="0" y="0"/>
-          <a:chExt cx="0" cy="0"/>
-        </a:xfrm>
-      </p:grpSpPr>
-      <p:pic>
-        <p:nvPicPr>
-          <p:cNvPr id="7" name="Resim 6"/>
-          <p:cNvPicPr>
-            <a:picLocks noChangeAspect="1"/>
-          </p:cNvPicPr>
-          <p:nvPr/>
-        </p:nvPicPr>
-        <p:blipFill>
-          <a:blip r:embed="rId2"/>
-          <a:stretch>
-            <a:fillRect/>
-          </a:stretch>
-        </p:blipFill>
-        <p:spPr>
-          <a:xfrm>
-            <a:off x="2698224" y="3485002"/>
-            <a:ext cx="18534065" cy="7696349"/>
-          </a:xfrm>
-          <a:prstGeom prst="rect">
-            <a:avLst/>
-          </a:prstGeom>
-        </p:spPr>
-      </p:pic>
-      <p:sp>
-        <p:nvSpPr>
-          <p:cNvPr id="3" name="Dikdörtgen 2"/>
-          <p:cNvSpPr/>
-          <p:nvPr/>
-        </p:nvSpPr>
-        <p:spPr>
-          <a:xfrm>
-            <a:off x="602165" y="1115122"/>
-            <a:ext cx="22726185" cy="2369880"/>
-          </a:xfrm>
-          <a:prstGeom prst="rect">
-            <a:avLst/>
-          </a:prstGeom>
-        </p:spPr>
-        <p:txBody>
-          <a:bodyPr wrap="square">
-            <a:spAutoFit/>
-          </a:bodyPr>
-          <a:lstStyle/>
-          <a:p>
-            <a:r>
-              <a:rPr lang="en-US" sz="6000" dirty="0" smtClean="0"/>
-              <a:t>BUTUNU OLUSTURAN PARCALAR</a:t>
-            </a:r>
-          </a:p>
-          <a:p>
-            <a:pPr algn="l" hangingPunct="1"/>
-            <a:endParaRPr lang="tr-TR" sz="4400" dirty="0">
-              <a:solidFill>
-                <a:schemeClr val="tx1"/>
-              </a:solidFill>
-            </a:endParaRPr>
-          </a:p>
-          <a:p>
-            <a:pPr marL="571500" indent="-571500" algn="l">
-              <a:buFont typeface="Wingdings" panose="05000000000000000000" pitchFamily="2" charset="2"/>
-              <a:buChar char="Ø"/>
-            </a:pPr>
-            <a:endParaRPr lang="en-US" sz="4400" noProof="1"/>
-          </a:p>
-        </p:txBody>
-      </p:sp>
-      <p:sp>
-        <p:nvSpPr>
-          <p:cNvPr id="2" name="Dikdörtgen 1"/>
-          <p:cNvSpPr/>
-          <p:nvPr/>
-        </p:nvSpPr>
-        <p:spPr>
-          <a:xfrm>
-            <a:off x="2412381" y="2034640"/>
-            <a:ext cx="19421708" cy="1107996"/>
-          </a:xfrm>
-          <a:prstGeom prst="rect">
-            <a:avLst/>
-          </a:prstGeom>
-        </p:spPr>
-        <p:txBody>
-          <a:bodyPr wrap="square">
-            <a:spAutoFit/>
-          </a:bodyPr>
-          <a:lstStyle/>
-          <a:p>
-            <a:r>
-              <a:rPr lang="en-US" sz="6600" b="1" dirty="0" smtClean="0">
-                <a:solidFill>
-                  <a:schemeClr val="tx1"/>
-                </a:solidFill>
-                <a:latin typeface="-apple-system"/>
-              </a:rPr>
-              <a:t>USER STORY – EPIC KARSILASTIRMASI</a:t>
-            </a:r>
-          </a:p>
-        </p:txBody>
-      </p:sp>
-    </p:spTree>
-    <p:extLst>
-      <p:ext uri="{BB962C8B-B14F-4D97-AF65-F5344CB8AC3E}">
-        <p14:creationId xmlns:p14="http://schemas.microsoft.com/office/powerpoint/2010/main" val="3442577724"/>
-      </p:ext>
-    </p:extLst>
-  </p:cSld>
-  <p:clrMapOvr>
-    <a:masterClrMapping/>
-  </p:clrMapOvr>
-  <p:transition spd="med"/>
-</p:sld>
-</file>
-
-<file path=ppt/slides/slide28.xml><?xml version="1.0" encoding="utf-8"?>
-<p:sld xmlns:a="http://schemas.openxmlformats.org/drawingml/2006/main" xmlns:r="http://schemas.openxmlformats.org/officeDocument/2006/relationships" xmlns:p="http://schemas.openxmlformats.org/presentationml/2006/main">
-  <p:cSld>
-    <p:spTree>
-      <p:nvGrpSpPr>
-        <p:cNvPr id="1" name=""/>
-        <p:cNvGrpSpPr/>
-        <p:nvPr/>
-      </p:nvGrpSpPr>
-      <p:grpSpPr>
-        <a:xfrm>
-          <a:off x="0" y="0"/>
-          <a:ext cx="0" cy="0"/>
-          <a:chOff x="0" y="0"/>
-          <a:chExt cx="0" cy="0"/>
-        </a:xfrm>
-      </p:grpSpPr>
-      <p:sp>
-        <p:nvSpPr>
-          <p:cNvPr id="3" name="Dikdörtgen 2"/>
-          <p:cNvSpPr/>
-          <p:nvPr/>
-        </p:nvSpPr>
-        <p:spPr>
-          <a:xfrm>
-            <a:off x="602165" y="1115122"/>
-            <a:ext cx="22726185" cy="2369880"/>
-          </a:xfrm>
-          <a:prstGeom prst="rect">
-            <a:avLst/>
-          </a:prstGeom>
-        </p:spPr>
-        <p:txBody>
-          <a:bodyPr wrap="square">
-            <a:spAutoFit/>
-          </a:bodyPr>
-          <a:lstStyle/>
-          <a:p>
-            <a:r>
-              <a:rPr lang="en-US" sz="6000" dirty="0" smtClean="0"/>
-              <a:t>BUTUNU OLUSTURAN PARCALAR</a:t>
-            </a:r>
-          </a:p>
-          <a:p>
-            <a:pPr algn="l" hangingPunct="1"/>
-            <a:endParaRPr lang="tr-TR" sz="4400" dirty="0">
-              <a:solidFill>
-                <a:schemeClr val="tx1"/>
-              </a:solidFill>
-            </a:endParaRPr>
-          </a:p>
-          <a:p>
-            <a:pPr marL="571500" indent="-571500" algn="l">
-              <a:buFont typeface="Wingdings" panose="05000000000000000000" pitchFamily="2" charset="2"/>
-              <a:buChar char="Ø"/>
-            </a:pPr>
-            <a:endParaRPr lang="en-US" sz="4400" noProof="1"/>
-          </a:p>
-        </p:txBody>
-      </p:sp>
-      <p:sp>
-        <p:nvSpPr>
-          <p:cNvPr id="2" name="Dikdörtgen 1"/>
-          <p:cNvSpPr/>
-          <p:nvPr/>
-        </p:nvSpPr>
-        <p:spPr>
-          <a:xfrm>
-            <a:off x="2412381" y="2034640"/>
-            <a:ext cx="19421708" cy="1107996"/>
-          </a:xfrm>
-          <a:prstGeom prst="rect">
-            <a:avLst/>
-          </a:prstGeom>
-        </p:spPr>
-        <p:txBody>
-          <a:bodyPr wrap="square">
-            <a:spAutoFit/>
-          </a:bodyPr>
-          <a:lstStyle/>
-          <a:p>
-            <a:r>
-              <a:rPr lang="en-US" sz="6600" b="1" dirty="0" smtClean="0">
-                <a:solidFill>
-                  <a:schemeClr val="tx1"/>
-                </a:solidFill>
-                <a:latin typeface="-apple-system"/>
-              </a:rPr>
-              <a:t>Team Capacity </a:t>
-            </a:r>
-            <a:r>
-              <a:rPr lang="en-US" sz="6600" b="1" noProof="1" smtClean="0">
-                <a:solidFill>
-                  <a:schemeClr val="tx1"/>
-                </a:solidFill>
-                <a:latin typeface="-apple-system"/>
-              </a:rPr>
-              <a:t>ve</a:t>
-            </a:r>
-            <a:r>
-              <a:rPr lang="en-US" sz="6600" b="1" dirty="0" smtClean="0">
-                <a:solidFill>
-                  <a:schemeClr val="tx1"/>
-                </a:solidFill>
-                <a:latin typeface="-apple-system"/>
-              </a:rPr>
-              <a:t> Point</a:t>
-            </a:r>
-          </a:p>
-        </p:txBody>
-      </p:sp>
-      <p:pic>
-        <p:nvPicPr>
-          <p:cNvPr id="22530" name="Picture 2" descr="When story points misfire. Trying to figure out how to estimate… | by  Albina Popova | XING Engineering"/>
-          <p:cNvPicPr>
-            <a:picLocks noChangeAspect="1" noChangeArrowheads="1"/>
-          </p:cNvPicPr>
-          <p:nvPr/>
-        </p:nvPicPr>
-        <p:blipFill>
-          <a:blip r:embed="rId2">
-            <a:extLst>
-              <a:ext uri="{28A0092B-C50C-407E-A947-70E740481C1C}">
-                <a14:useLocalDpi xmlns:a14="http://schemas.microsoft.com/office/drawing/2010/main" val="0"/>
-              </a:ext>
-            </a:extLst>
-          </a:blip>
-          <a:srcRect/>
-          <a:stretch>
-            <a:fillRect/>
-          </a:stretch>
-        </p:blipFill>
-        <p:spPr bwMode="auto">
-          <a:xfrm>
-            <a:off x="14516807" y="4062154"/>
-            <a:ext cx="9302196" cy="6933148"/>
-          </a:xfrm>
-          <a:prstGeom prst="rect">
-            <a:avLst/>
-          </a:prstGeom>
-          <a:noFill/>
-          <a:extLst>
-            <a:ext uri="{909E8E84-426E-40DD-AFC4-6F175D3DCCD1}">
-              <a14:hiddenFill xmlns:a14="http://schemas.microsoft.com/office/drawing/2010/main">
-                <a:solidFill>
-                  <a:srgbClr val="FFFFFF"/>
-                </a:solidFill>
-              </a14:hiddenFill>
-            </a:ext>
-          </a:extLst>
-        </p:spPr>
-      </p:pic>
-      <p:sp>
-        <p:nvSpPr>
-          <p:cNvPr id="6" name="Dikdörtgen 5"/>
-          <p:cNvSpPr/>
-          <p:nvPr/>
-        </p:nvSpPr>
-        <p:spPr>
-          <a:xfrm>
-            <a:off x="1144858" y="3399906"/>
-            <a:ext cx="22495727" cy="10248960"/>
-          </a:xfrm>
-          <a:prstGeom prst="rect">
-            <a:avLst/>
-          </a:prstGeom>
-        </p:spPr>
-        <p:txBody>
-          <a:bodyPr wrap="square">
-            <a:spAutoFit/>
-          </a:bodyPr>
-          <a:lstStyle/>
-          <a:p>
-            <a:pPr marL="571500" indent="-571500" algn="l">
-              <a:buFont typeface="Wingdings" panose="05000000000000000000" pitchFamily="2" charset="2"/>
-              <a:buChar char="Ø"/>
-            </a:pPr>
-            <a:r>
-              <a:rPr lang="tr-TR" sz="4400" noProof="1" smtClean="0">
-                <a:solidFill>
-                  <a:srgbClr val="292929"/>
-                </a:solidFill>
-                <a:latin typeface="medium-content-serif-font"/>
-              </a:rPr>
-              <a:t>User </a:t>
-            </a:r>
-            <a:r>
-              <a:rPr lang="tr-TR" sz="4400" noProof="1" smtClean="0">
-                <a:solidFill>
-                  <a:srgbClr val="292929"/>
-                </a:solidFill>
-                <a:latin typeface="medium-content-serif-font"/>
-              </a:rPr>
-              <a:t>storyler </a:t>
-            </a:r>
-            <a:r>
-              <a:rPr lang="en-US" sz="4400" noProof="1" smtClean="0">
-                <a:solidFill>
-                  <a:srgbClr val="292929"/>
-                </a:solidFill>
-                <a:latin typeface="medium-content-serif-font"/>
-              </a:rPr>
-              <a:t>sprint backlog’a alinirken takim tarafindan puanlanir (</a:t>
-            </a:r>
-            <a:r>
-              <a:rPr lang="en-US" sz="4400" noProof="1" smtClean="0">
-                <a:solidFill>
-                  <a:srgbClr val="FF0000"/>
-                </a:solidFill>
-                <a:latin typeface="medium-content-serif-font"/>
-              </a:rPr>
-              <a:t>POINT</a:t>
-            </a:r>
-            <a:r>
-              <a:rPr lang="en-US" sz="4400" noProof="1" smtClean="0">
-                <a:solidFill>
-                  <a:srgbClr val="292929"/>
-                </a:solidFill>
-                <a:latin typeface="medium-content-serif-font"/>
-              </a:rPr>
-              <a:t>)</a:t>
-            </a:r>
-          </a:p>
-          <a:p>
-            <a:pPr marL="571500" indent="-571500" algn="l">
-              <a:buFont typeface="Wingdings" panose="05000000000000000000" pitchFamily="2" charset="2"/>
-              <a:buChar char="Ø"/>
-            </a:pPr>
-            <a:r>
-              <a:rPr lang="en-US" sz="4400" noProof="1" smtClean="0">
-                <a:solidFill>
-                  <a:srgbClr val="292929"/>
-                </a:solidFill>
-                <a:latin typeface="medium-content-serif-font"/>
-              </a:rPr>
-              <a:t>Sprint baslangic toplantisi veya refinement </a:t>
-            </a:r>
-          </a:p>
-          <a:p>
-            <a:pPr algn="l"/>
-            <a:r>
-              <a:rPr lang="en-US" sz="4400" noProof="1">
-                <a:solidFill>
-                  <a:srgbClr val="292929"/>
-                </a:solidFill>
-                <a:latin typeface="medium-content-serif-font"/>
-              </a:rPr>
-              <a:t> </a:t>
-            </a:r>
-            <a:r>
-              <a:rPr lang="en-US" sz="4400" noProof="1" smtClean="0">
-                <a:solidFill>
-                  <a:srgbClr val="292929"/>
-                </a:solidFill>
-                <a:latin typeface="medium-content-serif-font"/>
-              </a:rPr>
-              <a:t>	toplantisinda User Story okunur ve development </a:t>
-            </a:r>
-          </a:p>
-          <a:p>
-            <a:pPr algn="l"/>
-            <a:r>
-              <a:rPr lang="en-US" sz="4400" noProof="1">
-                <a:solidFill>
-                  <a:srgbClr val="292929"/>
-                </a:solidFill>
-                <a:latin typeface="medium-content-serif-font"/>
-              </a:rPr>
-              <a:t>	</a:t>
-            </a:r>
-            <a:r>
-              <a:rPr lang="en-US" sz="4400" noProof="1" smtClean="0">
-                <a:solidFill>
-                  <a:srgbClr val="292929"/>
-                </a:solidFill>
-                <a:latin typeface="medium-content-serif-font"/>
-              </a:rPr>
-              <a:t>team’in tum uyeleri user story’e point verir</a:t>
-            </a:r>
-          </a:p>
-          <a:p>
-            <a:pPr marL="571500" indent="-571500" algn="l">
-              <a:buFont typeface="Wingdings" panose="05000000000000000000" pitchFamily="2" charset="2"/>
-              <a:buChar char="Ø"/>
-            </a:pPr>
-            <a:r>
-              <a:rPr lang="en-US" sz="4400" noProof="1" smtClean="0">
-                <a:solidFill>
-                  <a:srgbClr val="292929"/>
-                </a:solidFill>
-                <a:latin typeface="medium-content-serif-font"/>
-              </a:rPr>
-              <a:t>Verilen pointler kartlara yazilarak gosterilir</a:t>
-            </a:r>
-          </a:p>
-          <a:p>
-            <a:pPr marL="571500" indent="-571500" algn="l">
-              <a:buFont typeface="Wingdings" panose="05000000000000000000" pitchFamily="2" charset="2"/>
-              <a:buChar char="Ø"/>
-            </a:pPr>
-            <a:r>
-              <a:rPr lang="en-US" sz="4400" noProof="1" smtClean="0">
-                <a:solidFill>
-                  <a:srgbClr val="292929"/>
-                </a:solidFill>
-                <a:latin typeface="medium-content-serif-font"/>
-              </a:rPr>
-              <a:t>Pointler Fibonacci Serisindeki sayilara gore </a:t>
-            </a:r>
-          </a:p>
-          <a:p>
-            <a:pPr algn="l"/>
-            <a:r>
-              <a:rPr lang="en-US" sz="4400" noProof="1" smtClean="0">
-                <a:solidFill>
-                  <a:srgbClr val="292929"/>
-                </a:solidFill>
-                <a:latin typeface="medium-content-serif-font"/>
-              </a:rPr>
-              <a:t>    verlir.  1 1 2 3 5 8 13 21 …..</a:t>
-            </a:r>
-          </a:p>
-          <a:p>
-            <a:pPr marL="571500" indent="-571500" algn="l">
-              <a:buFont typeface="Wingdings" panose="05000000000000000000" pitchFamily="2" charset="2"/>
-              <a:buChar char="Ø"/>
-            </a:pPr>
-            <a:r>
-              <a:rPr lang="en-US" sz="4400" noProof="1" smtClean="0">
-                <a:solidFill>
-                  <a:srgbClr val="292929"/>
-                </a:solidFill>
-                <a:latin typeface="medium-content-serif-font"/>
-              </a:rPr>
-              <a:t>Her uye nicin bu point’I verdigini aciklar ve team’in</a:t>
-            </a:r>
-          </a:p>
-          <a:p>
-            <a:pPr algn="l"/>
-            <a:r>
-              <a:rPr lang="en-US" sz="4400" noProof="1">
-                <a:solidFill>
-                  <a:srgbClr val="292929"/>
-                </a:solidFill>
-                <a:latin typeface="medium-content-serif-font"/>
-              </a:rPr>
-              <a:t> </a:t>
-            </a:r>
-            <a:r>
-              <a:rPr lang="en-US" sz="4400" noProof="1" smtClean="0">
-                <a:solidFill>
-                  <a:srgbClr val="292929"/>
-                </a:solidFill>
-                <a:latin typeface="medium-content-serif-font"/>
-              </a:rPr>
-              <a:t>   ortak karariyla user story’nin point’i belirlenir</a:t>
-            </a:r>
-          </a:p>
-          <a:p>
-            <a:pPr marL="571500" indent="-571500" algn="l">
-              <a:buFont typeface="Wingdings" panose="05000000000000000000" pitchFamily="2" charset="2"/>
-              <a:buChar char="Ø"/>
-            </a:pPr>
-            <a:r>
-              <a:rPr lang="en-US" sz="4400" noProof="1" smtClean="0">
-                <a:solidFill>
-                  <a:srgbClr val="292929"/>
-                </a:solidFill>
-                <a:latin typeface="medium-content-serif-font"/>
-              </a:rPr>
-              <a:t>Team’deki developer ve QA sayisina gore team </a:t>
-            </a:r>
-          </a:p>
-          <a:p>
-            <a:pPr algn="l"/>
-            <a:r>
-              <a:rPr lang="en-US" sz="4400" noProof="1">
-                <a:solidFill>
-                  <a:srgbClr val="292929"/>
-                </a:solidFill>
-                <a:latin typeface="medium-content-serif-font"/>
-              </a:rPr>
-              <a:t> </a:t>
-            </a:r>
-            <a:r>
-              <a:rPr lang="en-US" sz="4400" noProof="1" smtClean="0">
-                <a:solidFill>
-                  <a:srgbClr val="292929"/>
-                </a:solidFill>
-                <a:latin typeface="medium-content-serif-font"/>
-              </a:rPr>
-              <a:t>   Capacity belirlenir.</a:t>
-            </a:r>
-          </a:p>
-          <a:p>
-            <a:pPr algn="l"/>
-            <a:r>
-              <a:rPr lang="en-US" sz="4400" noProof="1">
-                <a:solidFill>
-                  <a:srgbClr val="292929"/>
-                </a:solidFill>
-                <a:latin typeface="medium-content-serif-font"/>
-              </a:rPr>
-              <a:t>	</a:t>
-            </a:r>
-            <a:r>
-              <a:rPr lang="en-US" sz="4400" noProof="1" smtClean="0">
-                <a:solidFill>
-                  <a:srgbClr val="292929"/>
-                </a:solidFill>
-                <a:latin typeface="medium-content-serif-font"/>
-              </a:rPr>
-              <a:t>	Ornek : 5 developer : gunluk 8saat=1 point =&gt; 2 haftalik 50 point</a:t>
-            </a:r>
-          </a:p>
-          <a:p>
-            <a:pPr algn="l"/>
-            <a:r>
-              <a:rPr lang="en-US" sz="4400" noProof="1">
-                <a:solidFill>
-                  <a:srgbClr val="292929"/>
-                </a:solidFill>
-                <a:latin typeface="medium-content-serif-font"/>
-              </a:rPr>
-              <a:t> </a:t>
-            </a:r>
-            <a:r>
-              <a:rPr lang="en-US" sz="4400" noProof="1" smtClean="0">
-                <a:solidFill>
-                  <a:srgbClr val="292929"/>
-                </a:solidFill>
-                <a:latin typeface="medium-content-serif-font"/>
-              </a:rPr>
-              <a:t>                4 QA																						=&gt; </a:t>
-            </a:r>
-            <a:r>
-              <a:rPr lang="en-US" sz="4400" noProof="1">
-                <a:solidFill>
-                  <a:srgbClr val="292929"/>
-                </a:solidFill>
-                <a:latin typeface="medium-content-serif-font"/>
-              </a:rPr>
-              <a:t>2 </a:t>
-            </a:r>
-            <a:r>
-              <a:rPr lang="en-US" sz="4400" noProof="1">
-                <a:solidFill>
-                  <a:srgbClr val="292929"/>
-                </a:solidFill>
-                <a:latin typeface="medium-content-serif-font"/>
-              </a:rPr>
-              <a:t>haftalik </a:t>
-            </a:r>
-            <a:r>
-              <a:rPr lang="en-US" sz="4400" noProof="1" smtClean="0">
-                <a:solidFill>
-                  <a:srgbClr val="292929"/>
-                </a:solidFill>
-                <a:latin typeface="medium-content-serif-font"/>
-              </a:rPr>
-              <a:t>40 </a:t>
-            </a:r>
-            <a:r>
-              <a:rPr lang="en-US" sz="4400" noProof="1">
-                <a:solidFill>
-                  <a:srgbClr val="292929"/>
-                </a:solidFill>
-                <a:latin typeface="medium-content-serif-font"/>
-              </a:rPr>
-              <a:t>point</a:t>
-            </a:r>
-            <a:endParaRPr lang="en-US" sz="4400" noProof="1" smtClean="0">
-              <a:solidFill>
-                <a:srgbClr val="292929"/>
-              </a:solidFill>
-              <a:latin typeface="medium-content-serif-font"/>
-            </a:endParaRPr>
-          </a:p>
-          <a:p>
-            <a:pPr algn="l"/>
-            <a:endParaRPr lang="en-US" sz="4400" noProof="1" smtClean="0">
-              <a:solidFill>
-                <a:srgbClr val="292929"/>
-              </a:solidFill>
-              <a:latin typeface="medium-content-serif-font"/>
-            </a:endParaRPr>
-          </a:p>
-          <a:p>
-            <a:pPr algn="l"/>
-            <a:endParaRPr lang="tr-TR" sz="4400" noProof="1" smtClean="0">
-              <a:solidFill>
-                <a:srgbClr val="292929"/>
-              </a:solidFill>
-              <a:latin typeface="medium-content-serif-font"/>
-            </a:endParaRPr>
-          </a:p>
-        </p:txBody>
-      </p:sp>
-    </p:spTree>
-    <p:extLst>
-      <p:ext uri="{BB962C8B-B14F-4D97-AF65-F5344CB8AC3E}">
-        <p14:creationId xmlns:p14="http://schemas.microsoft.com/office/powerpoint/2010/main" val="1436587853"/>
-      </p:ext>
-    </p:extLst>
-  </p:cSld>
-  <p:clrMapOvr>
-    <a:masterClrMapping/>
-  </p:clrMapOvr>
-  <p:transition spd="med"/>
+  <p:timing>
+    <p:tnLst>
+      <p:par>
+        <p:cTn id="1" dur="indefinite" restart="never" nodeType="tmRoot"/>
+      </p:par>
+    </p:tnLst>
+  </p:timing>
 </p:sld>
 </file>
 
@@ -13355,11 +11864,7 @@
             <a:pPr lvl="1" indent="0" algn="l"/>
             <a:r>
               <a:rPr lang="en-US" sz="4000" noProof="1"/>
-              <a:t>								=&gt; Doğrudan yazılımda kullanılacak </a:t>
-            </a:r>
-            <a:r>
-              <a:rPr lang="en-US" sz="4000" noProof="1"/>
-              <a:t>doküman  </a:t>
+              <a:t>								=&gt; Doğrudan yazılımda kullanılacak doküman  </a:t>
             </a:r>
             <a:endParaRPr lang="en-US" sz="4000" noProof="1" smtClean="0"/>
           </a:p>
@@ -13495,11 +12000,7 @@
             </a:r>
             <a:r>
               <a:rPr lang="en-US" sz="4400" noProof="1"/>
-              <a:t>geliştirmede kullanılan erken </a:t>
-            </a:r>
-            <a:r>
-              <a:rPr lang="en-US" sz="4400" noProof="1"/>
-              <a:t>SDLC </a:t>
+              <a:t>geliştirmede kullanılan erken SDLC </a:t>
             </a:r>
             <a:r>
               <a:rPr lang="en-US" sz="4400" noProof="1" smtClean="0"/>
@@ -13516,11 +12017,7 @@
             </a:pPr>
             <a:r>
               <a:rPr lang="en-US" sz="4400" noProof="1"/>
-              <a:t>Eski firmalarda ve </a:t>
-            </a:r>
-            <a:r>
-              <a:rPr lang="en-US" sz="4400" noProof="1"/>
-              <a:t>devlet </a:t>
+              <a:t>Eski firmalarda ve devlet </a:t>
             </a:r>
             <a:r>
               <a:rPr lang="en-US" sz="4400" noProof="1" smtClean="0"/>
@@ -13625,15 +12122,7 @@
             </a:pPr>
             <a:r>
               <a:rPr lang="en-US" sz="4400" noProof="1" smtClean="0"/>
-              <a:t>Analiz ve Tasarim surecinin detayli ve sorunsuz </a:t>
-            </a:r>
-            <a:r>
-              <a:rPr lang="en-US" sz="4400" noProof="1" smtClean="0"/>
-              <a:t>yapilmasi </a:t>
-            </a:r>
-            <a:r>
-              <a:rPr lang="en-US" sz="4400" noProof="1" smtClean="0"/>
-              <a:t>onemlidir</a:t>
+              <a:t>Analiz ve Tasarim surecinin detayli ve sorunsuz yapilmasi onemlidir</a:t>
             </a:r>
           </a:p>
           <a:p>
@@ -13694,13 +12183,7 @@
               <a:rPr lang="en-US" sz="4400" noProof="1">
                 <a:latin typeface="Graphik"/>
               </a:rPr>
-              <a:t>uzun sure devam eden projeler için </a:t>
-            </a:r>
-            <a:r>
-              <a:rPr lang="en-US" sz="4400" noProof="1">
-                <a:latin typeface="Graphik"/>
-              </a:rPr>
-              <a:t>zayıf</a:t>
+              <a:t>uzun sure devam eden projeler için zayıf</a:t>
             </a:r>
             <a:r>
               <a:rPr lang="en-US" sz="4400" dirty="0">
@@ -13714,9 +12197,6 @@
               </a:rPr>
               <a:t>modeldir</a:t>
             </a:r>
-            <a:endParaRPr lang="en-US" sz="4400" noProof="1" smtClean="0">
-              <a:latin typeface="Graphik"/>
-            </a:endParaRPr>
           </a:p>
         </p:txBody>
       </p:sp>
@@ -13731,6 +12211,13 @@
     <a:masterClrMapping/>
   </p:clrMapOvr>
   <p:transition spd="med"/>
+  <p:timing>
+    <p:tnLst>
+      <p:par>
+        <p:cTn id="1" dur="indefinite" restart="never" nodeType="tmRoot"/>
+      </p:par>
+    </p:tnLst>
+  </p:timing>
 </p:sld>
 </file>
 
@@ -13942,6 +12429,13 @@
     <a:masterClrMapping/>
   </p:clrMapOvr>
   <p:transition spd="med"/>
+  <p:timing>
+    <p:tnLst>
+      <p:par>
+        <p:cTn id="1" dur="indefinite" restart="never" nodeType="tmRoot"/>
+      </p:par>
+    </p:tnLst>
+  </p:timing>
 </p:sld>
 </file>
 
@@ -14116,25 +12610,7 @@
                 </a:solidFill>
                 <a:latin typeface="BlinkMacSystemFont"/>
               </a:rPr>
-              <a:t>Jeff Sutherland’a zor bir görev üzerinde çalışmaya başladı: Bir yazılım şirketi olan </a:t>
-            </a:r>
-            <a:r>
-              <a:rPr lang="tr-TR" sz="4400" noProof="1" smtClean="0">
-                <a:solidFill>
-                  <a:srgbClr val="444B49"/>
-                </a:solidFill>
-                <a:latin typeface="BlinkMacSystemFont"/>
-              </a:rPr>
-              <a:t>Easel </a:t>
-            </a:r>
-            <a:r>
-              <a:rPr lang="tr-TR" sz="4400" noProof="1" smtClean="0">
-                <a:solidFill>
-                  <a:srgbClr val="444B49"/>
-                </a:solidFill>
-                <a:latin typeface="BlinkMacSystemFont"/>
-              </a:rPr>
-              <a:t>Corpo</a:t>
+              <a:t>Jeff Sutherland’a zor bir görev üzerinde çalışmaya başladı: Bir yazılım şirketi olan Easel Corpo</a:t>
             </a:r>
             <a:r>
               <a:rPr lang="tr-TR" sz="4400" dirty="0" smtClean="0">
@@ -14286,6 +12762,13 @@
     <a:masterClrMapping/>
   </p:clrMapOvr>
   <p:transition spd="med"/>
+  <p:timing>
+    <p:tnLst>
+      <p:par>
+        <p:cTn id="1" dur="indefinite" restart="never" nodeType="tmRoot"/>
+      </p:par>
+    </p:tnLst>
+  </p:timing>
 </p:sld>
 </file>
 
@@ -14443,7 +12926,6 @@
               <a:rPr lang="tr-TR" dirty="0"/>
               <a:t>.</a:t>
             </a:r>
-            <a:endParaRPr lang="tr-TR" dirty="0"/>
           </a:p>
         </p:txBody>
       </p:sp>
@@ -14517,6 +12999,13 @@
     <a:masterClrMapping/>
   </p:clrMapOvr>
   <p:transition spd="med"/>
+  <p:timing>
+    <p:tnLst>
+      <p:par>
+        <p:cTn id="1" dur="indefinite" restart="never" nodeType="tmRoot"/>
+      </p:par>
+    </p:tnLst>
+  </p:timing>
 </p:sld>
 </file>
 
@@ -14693,23 +13182,14 @@
             </a:r>
             <a:r>
               <a:rPr lang="en-US" sz="4400" noProof="1" smtClean="0"/>
-              <a:t>teşvik eder ve ekiplerin geri </a:t>
-            </a:r>
+              <a:t>teşvik eder ve ekiplerin geri bildirime </a:t>
+            </a:r>
+          </a:p>
+          <a:p>
+            <a:pPr algn="l"/>
             <a:r>
               <a:rPr lang="en-US" sz="4400" noProof="1" smtClean="0"/>
-              <a:t>bildirime </a:t>
-            </a:r>
-            <a:endParaRPr lang="en-US" sz="4400" noProof="1" smtClean="0"/>
-          </a:p>
-          <a:p>
-            <a:pPr algn="l"/>
-            <a:r>
-              <a:rPr lang="en-US" sz="4400" noProof="1" smtClean="0"/>
-              <a:t>ve </a:t>
-            </a:r>
-            <a:r>
-              <a:rPr lang="en-US" sz="4400" noProof="1" smtClean="0"/>
-              <a:t>değişime yanıt vermesini ve tam olarak gerekli olanı oluşturmasını sağlar.</a:t>
+              <a:t>ve değişime yanıt vermesini ve tam olarak gerekli olanı oluşturmasını sağlar.</a:t>
             </a:r>
             <a:endParaRPr lang="en-US" sz="4400" noProof="1"/>
           </a:p>
@@ -14739,11 +13219,7 @@
             <a:pPr algn="l"/>
             <a:r>
               <a:rPr lang="en-US" sz="4400" noProof="1" smtClean="0"/>
-              <a:t>Scrum'da ürün </a:t>
-            </a:r>
-            <a:r>
-              <a:rPr lang="en-US" sz="4400" noProof="1" smtClean="0"/>
-              <a:t>sprint'te</a:t>
+              <a:t>Scrum'da ürün sprint'te</a:t>
             </a:r>
             <a:r>
               <a:rPr lang="en-US" sz="4400" dirty="0" smtClean="0"/>
@@ -14751,15 +13227,7 @@
             </a:r>
             <a:r>
               <a:rPr lang="en-US" sz="4400" noProof="1" smtClean="0"/>
-              <a:t>tasarlanır, </a:t>
-            </a:r>
-            <a:r>
-              <a:rPr lang="en-US" sz="4400" noProof="1" smtClean="0"/>
-              <a:t>kodlanır </a:t>
-            </a:r>
-            <a:r>
-              <a:rPr lang="en-US" sz="4400" noProof="1" smtClean="0"/>
-              <a:t>ve</a:t>
+              <a:t>tasarlanır, kodlanır ve</a:t>
             </a:r>
             <a:r>
               <a:rPr lang="en-US" sz="4400" dirty="0" smtClean="0"/>
@@ -14822,6 +13290,13 @@
     <a:masterClrMapping/>
   </p:clrMapOvr>
   <p:transition spd="med"/>
+  <p:timing>
+    <p:tnLst>
+      <p:par>
+        <p:cTn id="1" dur="indefinite" restart="never" nodeType="tmRoot"/>
+      </p:par>
+    </p:tnLst>
+  </p:timing>
 </p:sld>
 </file>
 
@@ -15098,6 +13573,13 @@
     <a:masterClrMapping/>
   </p:clrMapOvr>
   <p:transition spd="med"/>
+  <p:timing>
+    <p:tnLst>
+      <p:par>
+        <p:cTn id="1" dur="indefinite" restart="never" nodeType="tmRoot"/>
+      </p:par>
+    </p:tnLst>
+  </p:timing>
 </p:sld>
 </file>
 

--- a/03 Agile Methodoloy.pptx
+++ b/03 Agile Methodoloy.pptx
@@ -4518,7 +4518,7 @@
           </a:ln>
           <a:extLst>
             <a:ext uri="{C572A759-6A51-4108-AA02-DFA0A04FC94B}">
-              <ma14:wrappingTextBoxFlag xmlns="" xmlns:m="http://schemas.openxmlformats.org/officeDocument/2006/math" xmlns:a14="http://schemas.microsoft.com/office/drawing/2010/main" xmlns:ma14="http://schemas.microsoft.com/office/mac/drawingml/2011/main" val="1"/>
+              <ma14:wrappingTextBoxFlag xmlns:ma14="http://schemas.microsoft.com/office/mac/drawingml/2011/main" xmlns:a14="http://schemas.microsoft.com/office/drawing/2010/main" xmlns:m="http://schemas.openxmlformats.org/officeDocument/2006/math" xmlns="" val="1"/>
             </a:ext>
           </a:extLst>
         </p:spPr>
@@ -4557,7 +4557,7 @@
           </a:ln>
           <a:extLst>
             <a:ext uri="{C572A759-6A51-4108-AA02-DFA0A04FC94B}">
-              <ma14:wrappingTextBoxFlag xmlns="" xmlns:m="http://schemas.openxmlformats.org/officeDocument/2006/math" xmlns:a14="http://schemas.microsoft.com/office/drawing/2010/main" xmlns:ma14="http://schemas.microsoft.com/office/mac/drawingml/2011/main" val="1"/>
+              <ma14:wrappingTextBoxFlag xmlns:ma14="http://schemas.microsoft.com/office/mac/drawingml/2011/main" xmlns:a14="http://schemas.microsoft.com/office/drawing/2010/main" xmlns:m="http://schemas.openxmlformats.org/officeDocument/2006/math" xmlns="" val="1"/>
             </a:ext>
           </a:extLst>
         </p:spPr>
@@ -6453,7 +6453,7 @@
               <a:t> </a:t>
             </a:r>
             <a:r>
-              <a:rPr lang="en-US" altLang="tr-TR" sz="4400" dirty="0" err="1" smtClean="0">
+              <a:rPr lang="en-US" altLang="tr-TR" sz="4400" noProof="1" smtClean="0">
                 <a:solidFill>
                   <a:schemeClr val="tx1"/>
                 </a:solidFill>
